--- a/Presentation 2.pptx
+++ b/Presentation 2.pptx
@@ -216,7 +216,7 @@
           <a:p>
             <a:fld id="{A032B36E-28CF-9B4C-8479-14EA48AAE0E6}" type="datetimeFigureOut">
               <a:rPr lang="en-US"/>
-              <a:t>04-Aug-21</a:t>
+              <a:t>8/4/2021</a:t>
             </a:fld>
             <a:endParaRPr lang="en-US"/>
           </a:p>
@@ -578,7 +578,7 @@
           <a:effectLst/>
           <a:extLst>
             <a:ext uri="{91240B29-F687-4f45-9708-019B960494DF}">
-              <a14:hiddenLine xmlns:a14="http://schemas.microsoft.com/office/drawing/2010/main" xmlns="" w="9525">
+              <a14:hiddenLine xmlns="" xmlns:a14="http://schemas.microsoft.com/office/drawing/2010/main" w="9525">
                 <a:solidFill>
                   <a:srgbClr val="000000"/>
                 </a:solidFill>
@@ -771,7 +771,7 @@
             <a:fld id="{08B9EBBA-996F-894A-B54A-D6246ED52CEA}" type="datetimeFigureOut">
               <a:rPr lang="en-US" smtClean="0"/>
               <a:pPr/>
-              <a:t>04-Aug-21</a:t>
+              <a:t>8/4/2021</a:t>
             </a:fld>
             <a:endParaRPr lang="en-US" dirty="0"/>
           </a:p>
@@ -1091,7 +1091,7 @@
             <a:fld id="{18C79C5D-2A6F-F04D-97DA-BEF2467B64E4}" type="datetimeFigureOut">
               <a:rPr lang="en-US" smtClean="0"/>
               <a:pPr/>
-              <a:t>04-Aug-21</a:t>
+              <a:t>8/4/2021</a:t>
             </a:fld>
             <a:endParaRPr lang="en-US" dirty="0"/>
           </a:p>
@@ -1581,7 +1581,7 @@
             <a:fld id="{8DFA1846-DA80-1C48-A609-854EA85C59AD}" type="datetimeFigureOut">
               <a:rPr lang="en-US" smtClean="0"/>
               <a:pPr/>
-              <a:t>04-Aug-21</a:t>
+              <a:t>8/4/2021</a:t>
             </a:fld>
             <a:endParaRPr lang="en-US" dirty="0"/>
           </a:p>
@@ -1952,7 +1952,7 @@
             <a:fld id="{FBF54567-0DE4-3F47-BF90-CB84690072F9}" type="datetimeFigureOut">
               <a:rPr lang="en-US" smtClean="0"/>
               <a:pPr/>
-              <a:t>04-Aug-21</a:t>
+              <a:t>8/4/2021</a:t>
             </a:fld>
             <a:endParaRPr lang="en-US" dirty="0"/>
           </a:p>
@@ -2108,7 +2108,7 @@
           <a:ln/>
           <a:extLst>
             <a:ext uri="{91240B29-F687-4f45-9708-019B960494DF}">
-              <a14:hiddenLine xmlns:a14="http://schemas.microsoft.com/office/drawing/2010/main" xmlns="" w="9525">
+              <a14:hiddenLine xmlns="" xmlns:a14="http://schemas.microsoft.com/office/drawing/2010/main" w="9525">
                 <a:solidFill>
                   <a:srgbClr val="000000"/>
                 </a:solidFill>
@@ -2227,7 +2227,7 @@
             <a:fld id="{C6C52C72-DE31-F449-A4ED-4C594FD91407}" type="datetimeFigureOut">
               <a:rPr lang="en-US" smtClean="0"/>
               <a:pPr/>
-              <a:t>04-Aug-21</a:t>
+              <a:t>8/4/2021</a:t>
             </a:fld>
             <a:endParaRPr lang="en-US" dirty="0"/>
           </a:p>
@@ -2385,7 +2385,7 @@
           <a:ln/>
           <a:extLst>
             <a:ext uri="{91240B29-F687-4f45-9708-019B960494DF}">
-              <a14:hiddenLine xmlns:a14="http://schemas.microsoft.com/office/drawing/2010/main" xmlns="" w="9525">
+              <a14:hiddenLine xmlns="" xmlns:a14="http://schemas.microsoft.com/office/drawing/2010/main" w="9525">
                 <a:solidFill>
                   <a:srgbClr val="000000"/>
                 </a:solidFill>
@@ -2514,7 +2514,7 @@
             <a:fld id="{ED62726E-379B-B349-9EED-81ED093FA806}" type="datetimeFigureOut">
               <a:rPr lang="en-US" smtClean="0"/>
               <a:pPr/>
-              <a:t>04-Aug-21</a:t>
+              <a:t>8/4/2021</a:t>
             </a:fld>
             <a:endParaRPr lang="en-US" dirty="0"/>
           </a:p>
@@ -2670,7 +2670,7 @@
           <a:ln/>
           <a:extLst>
             <a:ext uri="{91240B29-F687-4f45-9708-019B960494DF}">
-              <a14:hiddenLine xmlns:a14="http://schemas.microsoft.com/office/drawing/2010/main" xmlns="" w="9525">
+              <a14:hiddenLine xmlns="" xmlns:a14="http://schemas.microsoft.com/office/drawing/2010/main" w="9525">
                 <a:solidFill>
                   <a:srgbClr val="000000"/>
                 </a:solidFill>
@@ -2799,7 +2799,7 @@
             <a:fld id="{9B3A1323-8D79-1946-B0D7-40001CF92E9D}" type="datetimeFigureOut">
               <a:rPr lang="en-US" smtClean="0"/>
               <a:pPr/>
-              <a:t>04-Aug-21</a:t>
+              <a:t>8/4/2021</a:t>
             </a:fld>
             <a:endParaRPr lang="en-US" dirty="0"/>
           </a:p>
@@ -3144,7 +3144,7 @@
             <a:fld id="{8DFA1846-DA80-1C48-A609-854EA85C59AD}" type="datetimeFigureOut">
               <a:rPr lang="en-US" smtClean="0"/>
               <a:pPr/>
-              <a:t>04-Aug-21</a:t>
+              <a:t>8/4/2021</a:t>
             </a:fld>
             <a:endParaRPr lang="en-US" dirty="0"/>
           </a:p>
@@ -3300,7 +3300,7 @@
           <a:ln/>
           <a:extLst>
             <a:ext uri="{91240B29-F687-4f45-9708-019B960494DF}">
-              <a14:hiddenLine xmlns:a14="http://schemas.microsoft.com/office/drawing/2010/main" xmlns="" w="9525">
+              <a14:hiddenLine xmlns="" xmlns:a14="http://schemas.microsoft.com/office/drawing/2010/main" w="9525">
                 <a:solidFill>
                   <a:srgbClr val="000000"/>
                 </a:solidFill>
@@ -3485,7 +3485,7 @@
             <a:fld id="{57302355-E14B-8545-A8F8-0FE83CC9D524}" type="datetimeFigureOut">
               <a:rPr lang="en-US" smtClean="0"/>
               <a:pPr/>
-              <a:t>04-Aug-21</a:t>
+              <a:t>8/4/2021</a:t>
             </a:fld>
             <a:endParaRPr lang="en-US" dirty="0"/>
           </a:p>
@@ -3641,7 +3641,7 @@
           <a:ln/>
           <a:extLst>
             <a:ext uri="{91240B29-F687-4f45-9708-019B960494DF}">
-              <a14:hiddenLine xmlns:a14="http://schemas.microsoft.com/office/drawing/2010/main" xmlns="" w="9525">
+              <a14:hiddenLine xmlns="" xmlns:a14="http://schemas.microsoft.com/office/drawing/2010/main" w="9525">
                 <a:solidFill>
                   <a:srgbClr val="000000"/>
                 </a:solidFill>
@@ -3964,7 +3964,7 @@
             <a:fld id="{02640F58-564D-2B4F-AE67-E407BA4FCF45}" type="datetimeFigureOut">
               <a:rPr lang="en-US" smtClean="0"/>
               <a:pPr/>
-              <a:t>04-Aug-21</a:t>
+              <a:t>8/4/2021</a:t>
             </a:fld>
             <a:endParaRPr lang="en-US" dirty="0"/>
           </a:p>
@@ -4120,7 +4120,7 @@
           <a:ln/>
           <a:extLst>
             <a:ext uri="{91240B29-F687-4f45-9708-019B960494DF}">
-              <a14:hiddenLine xmlns:a14="http://schemas.microsoft.com/office/drawing/2010/main" xmlns="" w="9525">
+              <a14:hiddenLine xmlns="" xmlns:a14="http://schemas.microsoft.com/office/drawing/2010/main" w="9525">
                 <a:solidFill>
                   <a:srgbClr val="000000"/>
                 </a:solidFill>
@@ -4187,7 +4187,7 @@
             <a:fld id="{F13A34C8-038E-2045-AF43-DF7DBB8E0E9E}" type="datetimeFigureOut">
               <a:rPr lang="en-US" smtClean="0"/>
               <a:pPr/>
-              <a:t>04-Aug-21</a:t>
+              <a:t>8/4/2021</a:t>
             </a:fld>
             <a:endParaRPr lang="en-US" dirty="0"/>
           </a:p>
@@ -4284,7 +4284,7 @@
             <a:fld id="{8818C68F-D26B-8F47-958C-23B49CF8A634}" type="datetimeFigureOut">
               <a:rPr lang="en-US" smtClean="0"/>
               <a:pPr/>
-              <a:t>04-Aug-21</a:t>
+              <a:t>8/4/2021</a:t>
             </a:fld>
             <a:endParaRPr lang="en-US" dirty="0"/>
           </a:p>
@@ -4553,7 +4553,7 @@
           <a:ln/>
           <a:extLst>
             <a:ext uri="{91240B29-F687-4f45-9708-019B960494DF}">
-              <a14:hiddenLine xmlns:a14="http://schemas.microsoft.com/office/drawing/2010/main" xmlns="" w="9525">
+              <a14:hiddenLine xmlns="" xmlns:a14="http://schemas.microsoft.com/office/drawing/2010/main" w="9525">
                 <a:solidFill>
                   <a:srgbClr val="000000"/>
                 </a:solidFill>
@@ -4753,7 +4753,7 @@
             <a:fld id="{D0DF5E60-9974-AC48-9591-99C2BB44B7CF}" type="datetimeFigureOut">
               <a:rPr lang="en-US" smtClean="0"/>
               <a:pPr/>
-              <a:t>04-Aug-21</a:t>
+              <a:t>8/4/2021</a:t>
             </a:fld>
             <a:endParaRPr lang="en-US" dirty="0"/>
           </a:p>
@@ -5068,7 +5068,7 @@
             <a:fld id="{18C79C5D-2A6F-F04D-97DA-BEF2467B64E4}" type="datetimeFigureOut">
               <a:rPr lang="en-US" smtClean="0"/>
               <a:pPr/>
-              <a:t>04-Aug-21</a:t>
+              <a:t>8/4/2021</a:t>
             </a:fld>
             <a:endParaRPr lang="en-US" dirty="0"/>
           </a:p>
@@ -5340,7 +5340,7 @@
             <a:fld id="{09B482E8-6E0E-1B4F-B1FD-C69DB9E858D9}" type="datetimeFigureOut">
               <a:rPr lang="en-US" smtClean="0"/>
               <a:pPr/>
-              <a:t>04-Aug-21</a:t>
+              <a:t>8/4/2021</a:t>
             </a:fld>
             <a:endParaRPr lang="en-US" dirty="0"/>
           </a:p>
@@ -6984,8 +6984,8 @@
           </a:p>
         </p:txBody>
       </p:sp>
-      <mc:AlternateContent xmlns:mc="http://schemas.openxmlformats.org/markup-compatibility/2006">
-        <mc:Choice xmlns:a14="http://schemas.microsoft.com/office/drawing/2010/main" Requires="a14">
+      <mc:AlternateContent xmlns:mc="http://schemas.openxmlformats.org/markup-compatibility/2006" xmlns:a14="http://schemas.microsoft.com/office/drawing/2010/main">
+        <mc:Choice Requires="a14">
           <p:graphicFrame>
             <p:nvGraphicFramePr>
               <p:cNvPr id="4" name="Table 20">
@@ -7481,7 +7481,7 @@
             </a:graphic>
           </p:graphicFrame>
         </mc:Choice>
-        <mc:Fallback>
+        <mc:Fallback xmlns="">
           <p:graphicFrame>
             <p:nvGraphicFramePr>
               <p:cNvPr id="4" name="Table 20">
@@ -8206,12 +8206,15 @@
         </p:nvSpPr>
         <p:spPr>
           <a:xfrm>
-            <a:off x="810000" y="5639953"/>
-            <a:ext cx="835920" cy="772160"/>
+            <a:off x="649694" y="5649342"/>
+            <a:ext cx="1168047" cy="1044847"/>
           </a:xfrm>
           <a:prstGeom prst="ellipse">
             <a:avLst/>
           </a:prstGeom>
+          <a:solidFill>
+            <a:schemeClr val="accent4"/>
+          </a:solidFill>
         </p:spPr>
         <p:style>
           <a:lnRef idx="2">
@@ -8234,10 +8237,7 @@
           <a:lstStyle/>
           <a:p>
             <a:pPr algn="ctr"/>
-            <a:r>
-              <a:rPr lang="en-US" b="1" dirty="0"/>
-              <a:t>E</a:t>
-            </a:r>
+            <a:endParaRPr lang="en-US" b="1" dirty="0"/>
           </a:p>
         </p:txBody>
       </p:sp>
@@ -8353,12 +8353,15 @@
         </p:nvSpPr>
         <p:spPr>
           <a:xfrm>
-            <a:off x="4300954" y="2804160"/>
-            <a:ext cx="835920" cy="772160"/>
+            <a:off x="4315650" y="2694737"/>
+            <a:ext cx="1001977" cy="1000457"/>
           </a:xfrm>
           <a:prstGeom prst="ellipse">
             <a:avLst/>
           </a:prstGeom>
+          <a:solidFill>
+            <a:schemeClr val="accent4"/>
+          </a:solidFill>
         </p:spPr>
         <p:style>
           <a:lnRef idx="2">
@@ -8381,10 +8384,7 @@
           <a:lstStyle/>
           <a:p>
             <a:pPr algn="ctr"/>
-            <a:r>
-              <a:rPr lang="en-US" b="1" dirty="0"/>
-              <a:t>C</a:t>
-            </a:r>
+            <a:endParaRPr lang="en-US" b="1" dirty="0"/>
           </a:p>
         </p:txBody>
       </p:sp>
@@ -8487,7 +8487,7 @@
         <p:spPr>
           <a:xfrm>
             <a:off x="1227960" y="4993566"/>
-            <a:ext cx="0" cy="646387"/>
+            <a:ext cx="5758" cy="655776"/>
           </a:xfrm>
           <a:prstGeom prst="straightConnector1">
             <a:avLst/>
@@ -8573,7 +8573,7 @@
         <p:spPr>
           <a:xfrm>
             <a:off x="3391397" y="3190240"/>
-            <a:ext cx="909557" cy="0"/>
+            <a:ext cx="924253" cy="4726"/>
           </a:xfrm>
           <a:prstGeom prst="straightConnector1">
             <a:avLst/>
@@ -8754,11 +8754,15 @@
         </p:nvSpPr>
         <p:spPr>
           <a:xfrm rot="5400000" flipV="1">
-            <a:off x="4504870" y="2267766"/>
+            <a:off x="4637379" y="2197973"/>
             <a:ext cx="497279" cy="722746"/>
           </a:xfrm>
           <a:prstGeom prst="curvedRightArrow">
-            <a:avLst/>
+            <a:avLst>
+              <a:gd name="adj1" fmla="val 25000"/>
+              <a:gd name="adj2" fmla="val 50000"/>
+              <a:gd name="adj3" fmla="val 68098"/>
+            </a:avLst>
           </a:prstGeom>
         </p:spPr>
         <p:style>
@@ -8804,7 +8808,7 @@
         </p:nvSpPr>
         <p:spPr>
           <a:xfrm flipH="1" flipV="1">
-            <a:off x="1545582" y="5696116"/>
+            <a:off x="1709665" y="5838676"/>
             <a:ext cx="441954" cy="601742"/>
           </a:xfrm>
           <a:prstGeom prst="curvedRightArrow">
@@ -8854,8 +8858,8 @@
         </p:nvSpPr>
         <p:spPr>
           <a:xfrm flipH="1">
-            <a:off x="2858947" y="3573543"/>
-            <a:ext cx="1961300" cy="373167"/>
+            <a:off x="2853419" y="3619717"/>
+            <a:ext cx="1986613" cy="592236"/>
           </a:xfrm>
           <a:prstGeom prst="curvedUpArrow">
             <a:avLst/>
@@ -9094,7 +9098,7 @@
         </p:nvSpPr>
         <p:spPr>
           <a:xfrm>
-            <a:off x="1978047" y="5841367"/>
+            <a:off x="1987536" y="5649342"/>
             <a:ext cx="341760" cy="369332"/>
           </a:xfrm>
           <a:prstGeom prst="rect">
@@ -9164,7 +9168,7 @@
         </p:nvSpPr>
         <p:spPr>
           <a:xfrm>
-            <a:off x="4997790" y="2405601"/>
+            <a:off x="5148060" y="2352974"/>
             <a:ext cx="341756" cy="369332"/>
           </a:xfrm>
           <a:prstGeom prst="rect">
@@ -9304,7 +9308,7 @@
         </p:nvCxnSpPr>
         <p:spPr>
           <a:xfrm flipH="1">
-            <a:off x="5397308" y="2214880"/>
+            <a:off x="5513924" y="2180904"/>
             <a:ext cx="28593" cy="4195932"/>
           </a:xfrm>
           <a:prstGeom prst="line">
@@ -9358,6 +9362,106 @@
               <a:rPr lang="en-US" dirty="0"/>
               <a:t>States</a:t>
             </a:r>
+          </a:p>
+        </p:txBody>
+      </p:sp>
+      <p:sp>
+        <p:nvSpPr>
+          <p:cNvPr id="3" name="Oval 2">
+            <a:extLst>
+              <a:ext uri="{FF2B5EF4-FFF2-40B4-BE49-F238E27FC236}">
+                <a16:creationId xmlns:a16="http://schemas.microsoft.com/office/drawing/2014/main" id="{6B67A1F1-5573-D24C-BB7C-65CAD31F21A3}"/>
+              </a:ext>
+            </a:extLst>
+          </p:cNvPr>
+          <p:cNvSpPr/>
+          <p:nvPr/>
+        </p:nvSpPr>
+        <p:spPr>
+          <a:xfrm>
+            <a:off x="4459278" y="2801383"/>
+            <a:ext cx="772417" cy="772160"/>
+          </a:xfrm>
+          <a:prstGeom prst="ellipse">
+            <a:avLst/>
+          </a:prstGeom>
+        </p:spPr>
+        <p:style>
+          <a:lnRef idx="2">
+            <a:schemeClr val="accent1">
+              <a:shade val="50000"/>
+            </a:schemeClr>
+          </a:lnRef>
+          <a:fillRef idx="1">
+            <a:schemeClr val="accent1"/>
+          </a:fillRef>
+          <a:effectRef idx="0">
+            <a:schemeClr val="accent1"/>
+          </a:effectRef>
+          <a:fontRef idx="minor">
+            <a:schemeClr val="lt1"/>
+          </a:fontRef>
+        </p:style>
+        <p:txBody>
+          <a:bodyPr rtlCol="0" anchor="ctr"/>
+          <a:lstStyle/>
+          <a:p>
+            <a:pPr algn="ctr"/>
+            <a:r>
+              <a:rPr lang="en-GB"/>
+              <a:t>C</a:t>
+            </a:r>
+            <a:endParaRPr lang="en-US"/>
+          </a:p>
+        </p:txBody>
+      </p:sp>
+      <p:sp>
+        <p:nvSpPr>
+          <p:cNvPr id="31" name="Oval 30">
+            <a:extLst>
+              <a:ext uri="{FF2B5EF4-FFF2-40B4-BE49-F238E27FC236}">
+                <a16:creationId xmlns:a16="http://schemas.microsoft.com/office/drawing/2014/main" id="{87DC3CB7-D02B-514E-8A44-2AF435E50E7D}"/>
+              </a:ext>
+            </a:extLst>
+          </p:cNvPr>
+          <p:cNvSpPr/>
+          <p:nvPr/>
+        </p:nvSpPr>
+        <p:spPr>
+          <a:xfrm>
+            <a:off x="821515" y="5785685"/>
+            <a:ext cx="880051" cy="772160"/>
+          </a:xfrm>
+          <a:prstGeom prst="ellipse">
+            <a:avLst/>
+          </a:prstGeom>
+        </p:spPr>
+        <p:style>
+          <a:lnRef idx="2">
+            <a:schemeClr val="accent1">
+              <a:shade val="50000"/>
+            </a:schemeClr>
+          </a:lnRef>
+          <a:fillRef idx="1">
+            <a:schemeClr val="accent1"/>
+          </a:fillRef>
+          <a:effectRef idx="0">
+            <a:schemeClr val="accent1"/>
+          </a:effectRef>
+          <a:fontRef idx="minor">
+            <a:schemeClr val="lt1"/>
+          </a:fontRef>
+        </p:style>
+        <p:txBody>
+          <a:bodyPr rtlCol="0" anchor="ctr"/>
+          <a:lstStyle/>
+          <a:p>
+            <a:pPr algn="ctr"/>
+            <a:r>
+              <a:rPr lang="en-GB"/>
+              <a:t>E</a:t>
+            </a:r>
+            <a:endParaRPr lang="en-US"/>
           </a:p>
         </p:txBody>
       </p:sp>
@@ -10076,8 +10180,8 @@
           </a:p>
         </p:txBody>
       </p:sp>
-      <mc:AlternateContent xmlns:mc="http://schemas.openxmlformats.org/markup-compatibility/2006">
-        <mc:Choice xmlns:a14="http://schemas.microsoft.com/office/drawing/2010/main" Requires="a14">
+      <mc:AlternateContent xmlns:mc="http://schemas.openxmlformats.org/markup-compatibility/2006" xmlns:a14="http://schemas.microsoft.com/office/drawing/2010/main">
+        <mc:Choice Requires="a14">
           <p:graphicFrame>
             <p:nvGraphicFramePr>
               <p:cNvPr id="4" name="Table 20">
@@ -10467,7 +10571,7 @@
             </a:graphic>
           </p:graphicFrame>
         </mc:Choice>
-        <mc:Fallback>
+        <mc:Fallback xmlns="">
           <p:graphicFrame>
             <p:nvGraphicFramePr>
               <p:cNvPr id="4" name="Table 20">
@@ -12437,8 +12541,8 @@
           </a:p>
         </p:txBody>
       </p:sp>
-      <mc:AlternateContent xmlns:mc="http://schemas.openxmlformats.org/markup-compatibility/2006">
-        <mc:Choice xmlns:a14="http://schemas.microsoft.com/office/drawing/2010/main" Requires="a14">
+      <mc:AlternateContent xmlns:mc="http://schemas.openxmlformats.org/markup-compatibility/2006" xmlns:a14="http://schemas.microsoft.com/office/drawing/2010/main">
+        <mc:Choice Requires="a14">
           <p:graphicFrame>
             <p:nvGraphicFramePr>
               <p:cNvPr id="19" name="Table 20">
@@ -12828,7 +12932,7 @@
             </a:graphic>
           </p:graphicFrame>
         </mc:Choice>
-        <mc:Fallback>
+        <mc:Fallback xmlns="">
           <p:graphicFrame>
             <p:nvGraphicFramePr>
               <p:cNvPr id="19" name="Table 20">
